--- a/Documents/images/KendoClub_KeyManagementWebApp_DFD.pptx
+++ b/Documents/images/KendoClub_KeyManagementWebApp_DFD.pptx
@@ -198,7 +198,7 @@
           <a:p>
             <a:fld id="{2D1EB857-B45B-49C9-B37E-DF6366B58CED}" type="datetimeFigureOut">
               <a:rPr kumimoji="1" lang="ja-JP" altLang="en-US" smtClean="0"/>
-              <a:t>2025/12/17</a:t>
+              <a:t>2025/12/24</a:t>
             </a:fld>
             <a:endParaRPr kumimoji="1" lang="ja-JP" altLang="en-US"/>
           </a:p>
@@ -728,7 +728,7 @@
           <a:p>
             <a:fld id="{3FFB6236-8A3B-4429-89B2-2F963504249E}" type="datetimeFigureOut">
               <a:rPr kumimoji="1" lang="ja-JP" altLang="en-US" smtClean="0"/>
-              <a:t>2025/12/17</a:t>
+              <a:t>2025/12/24</a:t>
             </a:fld>
             <a:endParaRPr kumimoji="1" lang="ja-JP" altLang="en-US"/>
           </a:p>
@@ -958,7 +958,7 @@
           <a:p>
             <a:fld id="{3FFB6236-8A3B-4429-89B2-2F963504249E}" type="datetimeFigureOut">
               <a:rPr kumimoji="1" lang="ja-JP" altLang="en-US" smtClean="0"/>
-              <a:t>2025/12/17</a:t>
+              <a:t>2025/12/24</a:t>
             </a:fld>
             <a:endParaRPr kumimoji="1" lang="ja-JP" altLang="en-US"/>
           </a:p>
@@ -1198,7 +1198,7 @@
           <a:p>
             <a:fld id="{3FFB6236-8A3B-4429-89B2-2F963504249E}" type="datetimeFigureOut">
               <a:rPr kumimoji="1" lang="ja-JP" altLang="en-US" smtClean="0"/>
-              <a:t>2025/12/17</a:t>
+              <a:t>2025/12/24</a:t>
             </a:fld>
             <a:endParaRPr kumimoji="1" lang="ja-JP" altLang="en-US"/>
           </a:p>
@@ -1428,7 +1428,7 @@
           <a:p>
             <a:fld id="{3FFB6236-8A3B-4429-89B2-2F963504249E}" type="datetimeFigureOut">
               <a:rPr kumimoji="1" lang="ja-JP" altLang="en-US" smtClean="0"/>
-              <a:t>2025/12/17</a:t>
+              <a:t>2025/12/24</a:t>
             </a:fld>
             <a:endParaRPr kumimoji="1" lang="ja-JP" altLang="en-US"/>
           </a:p>
@@ -1703,7 +1703,7 @@
           <a:p>
             <a:fld id="{3FFB6236-8A3B-4429-89B2-2F963504249E}" type="datetimeFigureOut">
               <a:rPr kumimoji="1" lang="ja-JP" altLang="en-US" smtClean="0"/>
-              <a:t>2025/12/17</a:t>
+              <a:t>2025/12/24</a:t>
             </a:fld>
             <a:endParaRPr kumimoji="1" lang="ja-JP" altLang="en-US"/>
           </a:p>
@@ -2032,7 +2032,7 @@
           <a:p>
             <a:fld id="{3FFB6236-8A3B-4429-89B2-2F963504249E}" type="datetimeFigureOut">
               <a:rPr kumimoji="1" lang="ja-JP" altLang="en-US" smtClean="0"/>
-              <a:t>2025/12/17</a:t>
+              <a:t>2025/12/24</a:t>
             </a:fld>
             <a:endParaRPr kumimoji="1" lang="ja-JP" altLang="en-US"/>
           </a:p>
@@ -2508,7 +2508,7 @@
           <a:p>
             <a:fld id="{3FFB6236-8A3B-4429-89B2-2F963504249E}" type="datetimeFigureOut">
               <a:rPr kumimoji="1" lang="ja-JP" altLang="en-US" smtClean="0"/>
-              <a:t>2025/12/17</a:t>
+              <a:t>2025/12/24</a:t>
             </a:fld>
             <a:endParaRPr kumimoji="1" lang="ja-JP" altLang="en-US"/>
           </a:p>
@@ -2649,7 +2649,7 @@
           <a:p>
             <a:fld id="{3FFB6236-8A3B-4429-89B2-2F963504249E}" type="datetimeFigureOut">
               <a:rPr kumimoji="1" lang="ja-JP" altLang="en-US" smtClean="0"/>
-              <a:t>2025/12/17</a:t>
+              <a:t>2025/12/24</a:t>
             </a:fld>
             <a:endParaRPr kumimoji="1" lang="ja-JP" altLang="en-US"/>
           </a:p>
@@ -2762,7 +2762,7 @@
           <a:p>
             <a:fld id="{3FFB6236-8A3B-4429-89B2-2F963504249E}" type="datetimeFigureOut">
               <a:rPr kumimoji="1" lang="ja-JP" altLang="en-US" smtClean="0"/>
-              <a:t>2025/12/17</a:t>
+              <a:t>2025/12/24</a:t>
             </a:fld>
             <a:endParaRPr kumimoji="1" lang="ja-JP" altLang="en-US"/>
           </a:p>
@@ -3105,7 +3105,7 @@
           <a:p>
             <a:fld id="{3FFB6236-8A3B-4429-89B2-2F963504249E}" type="datetimeFigureOut">
               <a:rPr kumimoji="1" lang="ja-JP" altLang="en-US" smtClean="0"/>
-              <a:t>2025/12/17</a:t>
+              <a:t>2025/12/24</a:t>
             </a:fld>
             <a:endParaRPr kumimoji="1" lang="ja-JP" altLang="en-US"/>
           </a:p>
@@ -3393,7 +3393,7 @@
           <a:p>
             <a:fld id="{3FFB6236-8A3B-4429-89B2-2F963504249E}" type="datetimeFigureOut">
               <a:rPr kumimoji="1" lang="ja-JP" altLang="en-US" smtClean="0"/>
-              <a:t>2025/12/17</a:t>
+              <a:t>2025/12/24</a:t>
             </a:fld>
             <a:endParaRPr kumimoji="1" lang="ja-JP" altLang="en-US"/>
           </a:p>
@@ -3666,7 +3666,7 @@
           <a:p>
             <a:fld id="{3FFB6236-8A3B-4429-89B2-2F963504249E}" type="datetimeFigureOut">
               <a:rPr kumimoji="1" lang="ja-JP" altLang="en-US" smtClean="0"/>
-              <a:t>2025/12/17</a:t>
+              <a:t>2025/12/24</a:t>
             </a:fld>
             <a:endParaRPr kumimoji="1" lang="ja-JP" altLang="en-US"/>
           </a:p>
@@ -4592,7 +4592,7 @@
         </p:nvSpPr>
         <p:spPr>
           <a:xfrm>
-            <a:off x="3889602" y="1855435"/>
+            <a:off x="5185002" y="1832308"/>
             <a:ext cx="3563711" cy="461665"/>
           </a:xfrm>
           <a:prstGeom prst="rect">
@@ -4608,7 +4608,7 @@
           <a:p>
             <a:r>
               <a:rPr kumimoji="1" lang="ja-JP" altLang="en-US" sz="2400" b="1" dirty="0"/>
-              <a:t>ログ、エラーメッセージ</a:t>
+              <a:t>ログ</a:t>
             </a:r>
           </a:p>
         </p:txBody>
@@ -5835,206 +5835,6 @@
               <a:t>履歴</a:t>
             </a:r>
             <a:endParaRPr kumimoji="1" lang="ja-JP" altLang="en-US" sz="2400" b="1" dirty="0"/>
-          </a:p>
-        </p:txBody>
-      </p:sp>
-      <p:cxnSp>
-        <p:nvCxnSpPr>
-          <p:cNvPr id="50" name="コネクタ: カギ線 49">
-            <a:extLst>
-              <a:ext uri="{FF2B5EF4-FFF2-40B4-BE49-F238E27FC236}">
-                <a16:creationId xmlns:a16="http://schemas.microsoft.com/office/drawing/2014/main" id="{86064916-102E-C239-C6A3-E9E4EB006140}"/>
-              </a:ext>
-            </a:extLst>
-          </p:cNvPr>
-          <p:cNvCxnSpPr>
-            <a:cxnSpLocks/>
-            <a:stCxn id="7" idx="3"/>
-          </p:cNvCxnSpPr>
-          <p:nvPr/>
-        </p:nvCxnSpPr>
-        <p:spPr>
-          <a:xfrm rot="5400000">
-            <a:off x="4238323" y="1128359"/>
-            <a:ext cx="239525" cy="1901716"/>
-          </a:xfrm>
-          <a:prstGeom prst="bentConnector2">
-            <a:avLst/>
-          </a:prstGeom>
-          <a:ln w="38100">
-            <a:tailEnd type="triangle"/>
-          </a:ln>
-        </p:spPr>
-        <p:style>
-          <a:lnRef idx="2">
-            <a:schemeClr val="dk1"/>
-          </a:lnRef>
-          <a:fillRef idx="0">
-            <a:schemeClr val="dk1"/>
-          </a:fillRef>
-          <a:effectRef idx="1">
-            <a:schemeClr val="dk1"/>
-          </a:effectRef>
-          <a:fontRef idx="minor">
-            <a:schemeClr val="tx1"/>
-          </a:fontRef>
-        </p:style>
-      </p:cxnSp>
-      <p:cxnSp>
-        <p:nvCxnSpPr>
-          <p:cNvPr id="54" name="コネクタ: カギ線 53">
-            <a:extLst>
-              <a:ext uri="{FF2B5EF4-FFF2-40B4-BE49-F238E27FC236}">
-                <a16:creationId xmlns:a16="http://schemas.microsoft.com/office/drawing/2014/main" id="{465F8D28-1480-41AA-8C6B-C8047CA8231E}"/>
-              </a:ext>
-            </a:extLst>
-          </p:cNvPr>
-          <p:cNvCxnSpPr>
-            <a:cxnSpLocks/>
-            <a:stCxn id="2" idx="1"/>
-          </p:cNvCxnSpPr>
-          <p:nvPr/>
-        </p:nvCxnSpPr>
-        <p:spPr>
-          <a:xfrm rot="16200000" flipV="1">
-            <a:off x="4238324" y="1635819"/>
-            <a:ext cx="239525" cy="1901714"/>
-          </a:xfrm>
-          <a:prstGeom prst="bentConnector2">
-            <a:avLst/>
-          </a:prstGeom>
-          <a:ln w="38100">
-            <a:tailEnd type="triangle"/>
-          </a:ln>
-        </p:spPr>
-        <p:style>
-          <a:lnRef idx="2">
-            <a:schemeClr val="dk1"/>
-          </a:lnRef>
-          <a:fillRef idx="0">
-            <a:schemeClr val="dk1"/>
-          </a:fillRef>
-          <a:effectRef idx="1">
-            <a:schemeClr val="dk1"/>
-          </a:effectRef>
-          <a:fontRef idx="minor">
-            <a:schemeClr val="tx1"/>
-          </a:fontRef>
-        </p:style>
-      </p:cxnSp>
-      <p:cxnSp>
-        <p:nvCxnSpPr>
-          <p:cNvPr id="56" name="コネクタ: カギ線 55">
-            <a:extLst>
-              <a:ext uri="{FF2B5EF4-FFF2-40B4-BE49-F238E27FC236}">
-                <a16:creationId xmlns:a16="http://schemas.microsoft.com/office/drawing/2014/main" id="{1358EEDF-7E2D-9DFF-C953-0621CF077441}"/>
-              </a:ext>
-            </a:extLst>
-          </p:cNvPr>
-          <p:cNvCxnSpPr>
-            <a:stCxn id="3" idx="1"/>
-          </p:cNvCxnSpPr>
-          <p:nvPr/>
-        </p:nvCxnSpPr>
-        <p:spPr>
-          <a:xfrm rot="16200000" flipH="1" flipV="1">
-            <a:off x="4153222" y="4152550"/>
-            <a:ext cx="126850" cy="1618839"/>
-          </a:xfrm>
-          <a:prstGeom prst="bentConnector4">
-            <a:avLst>
-              <a:gd name="adj1" fmla="val -60071"/>
-              <a:gd name="adj2" fmla="val 25359"/>
-            </a:avLst>
-          </a:prstGeom>
-          <a:ln w="38100">
-            <a:tailEnd type="triangle"/>
-          </a:ln>
-        </p:spPr>
-        <p:style>
-          <a:lnRef idx="2">
-            <a:schemeClr val="dk1"/>
-          </a:lnRef>
-          <a:fillRef idx="0">
-            <a:schemeClr val="dk1"/>
-          </a:fillRef>
-          <a:effectRef idx="1">
-            <a:schemeClr val="dk1"/>
-          </a:effectRef>
-          <a:fontRef idx="minor">
-            <a:schemeClr val="tx1"/>
-          </a:fontRef>
-        </p:style>
-      </p:cxnSp>
-      <p:sp>
-        <p:nvSpPr>
-          <p:cNvPr id="63" name="テキスト ボックス 62">
-            <a:extLst>
-              <a:ext uri="{FF2B5EF4-FFF2-40B4-BE49-F238E27FC236}">
-                <a16:creationId xmlns:a16="http://schemas.microsoft.com/office/drawing/2014/main" id="{1EA6A814-FC07-38C7-C673-B09735E32C5C}"/>
-              </a:ext>
-            </a:extLst>
-          </p:cNvPr>
-          <p:cNvSpPr txBox="1"/>
-          <p:nvPr/>
-        </p:nvSpPr>
-        <p:spPr>
-          <a:xfrm>
-            <a:off x="5206886" y="2180605"/>
-            <a:ext cx="2762253" cy="400110"/>
-          </a:xfrm>
-          <a:prstGeom prst="rect">
-            <a:avLst/>
-          </a:prstGeom>
-          <a:noFill/>
-        </p:spPr>
-        <p:txBody>
-          <a:bodyPr wrap="square" rtlCol="0">
-            <a:spAutoFit/>
-          </a:bodyPr>
-          <a:lstStyle/>
-          <a:p>
-            <a:r>
-              <a:rPr lang="ja-JP" altLang="en-US" sz="2000" b="1" dirty="0"/>
-              <a:t>エラーメッセージ</a:t>
-            </a:r>
-            <a:endParaRPr lang="en-US" altLang="ja-JP" sz="2000" b="1" dirty="0"/>
-          </a:p>
-        </p:txBody>
-      </p:sp>
-      <p:sp>
-        <p:nvSpPr>
-          <p:cNvPr id="64" name="テキスト ボックス 63">
-            <a:extLst>
-              <a:ext uri="{FF2B5EF4-FFF2-40B4-BE49-F238E27FC236}">
-                <a16:creationId xmlns:a16="http://schemas.microsoft.com/office/drawing/2014/main" id="{0F689622-77A9-28C5-702D-8F16DAFB28B8}"/>
-              </a:ext>
-            </a:extLst>
-          </p:cNvPr>
-          <p:cNvSpPr txBox="1"/>
-          <p:nvPr/>
-        </p:nvSpPr>
-        <p:spPr>
-          <a:xfrm>
-            <a:off x="3333745" y="4488564"/>
-            <a:ext cx="2762253" cy="400110"/>
-          </a:xfrm>
-          <a:prstGeom prst="rect">
-            <a:avLst/>
-          </a:prstGeom>
-          <a:noFill/>
-        </p:spPr>
-        <p:txBody>
-          <a:bodyPr wrap="square" rtlCol="0">
-            <a:spAutoFit/>
-          </a:bodyPr>
-          <a:lstStyle/>
-          <a:p>
-            <a:r>
-              <a:rPr lang="ja-JP" altLang="en-US" sz="2000" b="1" dirty="0"/>
-              <a:t>エラーメッセージ</a:t>
-            </a:r>
-            <a:endParaRPr lang="en-US" altLang="ja-JP" sz="2000" b="1" dirty="0"/>
           </a:p>
         </p:txBody>
       </p:sp>
